--- a/HDM Data Science.pptx
+++ b/HDM Data Science.pptx
@@ -1075,7 +1075,7 @@
           <a:p>
             <a:fld id="{9B39517B-FB26-4CEE-A0CD-05465EABC2B5}" type="datetimeFigureOut">
               <a:rPr lang="de-DE" smtClean="0"/>
-              <a:t>03.02.2023</a:t>
+              <a:t>04.02.2023</a:t>
             </a:fld>
             <a:endParaRPr lang="de-DE"/>
           </a:p>
@@ -2496,7 +2496,7 @@
           <a:p>
             <a:fld id="{ED291B17-9318-49DB-B28B-6E5994AE9581}" type="datetime1">
               <a:rPr lang="en-US" smtClean="0"/>
-              <a:t>2/3/2023</a:t>
+              <a:t>2/4/2023</a:t>
             </a:fld>
             <a:endParaRPr lang="en-US" dirty="0"/>
           </a:p>
@@ -2699,7 +2699,7 @@
           <a:p>
             <a:fld id="{2CED4963-E985-44C4-B8C4-FDD613B7C2F8}" type="datetime1">
               <a:rPr lang="en-US" smtClean="0"/>
-              <a:t>2/3/2023</a:t>
+              <a:t>2/4/2023</a:t>
             </a:fld>
             <a:endParaRPr lang="en-US" dirty="0"/>
           </a:p>
@@ -3061,7 +3061,7 @@
           <a:p>
             <a:fld id="{ED291B17-9318-49DB-B28B-6E5994AE9581}" type="datetime1">
               <a:rPr lang="en-US" smtClean="0"/>
-              <a:t>2/3/2023</a:t>
+              <a:t>2/4/2023</a:t>
             </a:fld>
             <a:endParaRPr lang="en-US" dirty="0"/>
           </a:p>
@@ -3259,7 +3259,7 @@
           <a:p>
             <a:fld id="{78DD82B9-B8EE-4375-B6FF-88FA6ABB15D9}" type="datetime1">
               <a:rPr lang="en-US" smtClean="0"/>
-              <a:t>2/3/2023</a:t>
+              <a:t>2/4/2023</a:t>
             </a:fld>
             <a:endParaRPr lang="en-US" dirty="0"/>
           </a:p>
@@ -3571,7 +3571,7 @@
           <a:p>
             <a:fld id="{B2497495-0637-405E-AE64-5CC7506D51F5}" type="datetime1">
               <a:rPr lang="en-US" smtClean="0"/>
-              <a:t>2/3/2023</a:t>
+              <a:t>2/4/2023</a:t>
             </a:fld>
             <a:endParaRPr lang="en-US" dirty="0"/>
           </a:p>
@@ -3824,7 +3824,7 @@
           <a:p>
             <a:fld id="{7BFFD690-9426-415D-8B65-26881E07B2D4}" type="datetime1">
               <a:rPr lang="en-US" smtClean="0"/>
-              <a:t>2/3/2023</a:t>
+              <a:t>2/4/2023</a:t>
             </a:fld>
             <a:endParaRPr lang="en-US" dirty="0"/>
           </a:p>
@@ -4246,7 +4246,7 @@
           <a:p>
             <a:fld id="{04C4989A-474C-40DE-95B9-011C28B71673}" type="datetime1">
               <a:rPr lang="en-US" smtClean="0"/>
-              <a:t>2/3/2023</a:t>
+              <a:t>2/4/2023</a:t>
             </a:fld>
             <a:endParaRPr lang="en-US" dirty="0"/>
           </a:p>
@@ -4369,7 +4369,7 @@
           <a:p>
             <a:fld id="{5DB4ED54-5B5E-4A04-93D3-5772E3CE3818}" type="datetime1">
               <a:rPr lang="en-US" smtClean="0"/>
-              <a:t>2/3/2023</a:t>
+              <a:t>2/4/2023</a:t>
             </a:fld>
             <a:endParaRPr lang="en-US" dirty="0"/>
           </a:p>
@@ -4464,7 +4464,7 @@
           <a:p>
             <a:fld id="{4EDE50D6-574B-40AF-946F-D52A04ADE379}" type="datetime1">
               <a:rPr lang="en-US" smtClean="0"/>
-              <a:t>2/3/2023</a:t>
+              <a:t>2/4/2023</a:t>
             </a:fld>
             <a:endParaRPr lang="en-US" dirty="0"/>
           </a:p>
@@ -4841,7 +4841,7 @@
           <a:p>
             <a:fld id="{D82884F1-FFEA-405F-9602-3DCA865EDA4E}" type="datetime1">
               <a:rPr lang="en-US" smtClean="0"/>
-              <a:t>2/3/2023</a:t>
+              <a:t>2/4/2023</a:t>
             </a:fld>
             <a:endParaRPr lang="en-US" dirty="0"/>
           </a:p>
@@ -5134,7 +5134,7 @@
           <a:p>
             <a:fld id="{7E18DB4A-8810-4A10-AD5C-D5E2C667F5B3}" type="datetime1">
               <a:rPr lang="en-US" smtClean="0"/>
-              <a:t>2/3/2023</a:t>
+              <a:t>2/4/2023</a:t>
             </a:fld>
             <a:endParaRPr lang="en-US" dirty="0"/>
           </a:p>
@@ -5349,7 +5349,7 @@
           <a:p>
             <a:fld id="{ED291B17-9318-49DB-B28B-6E5994AE9581}" type="datetime1">
               <a:rPr lang="en-US" smtClean="0"/>
-              <a:t>2/3/2023</a:t>
+              <a:t>2/4/2023</a:t>
             </a:fld>
             <a:endParaRPr lang="en-US" dirty="0"/>
           </a:p>
@@ -6446,7 +6446,7 @@
           <a:lstStyle/>
           <a:p>
             <a:r>
-              <a:rPr lang="en-US"/>
+              <a:rPr lang="en-US" dirty="0"/>
               <a:t>Scope</a:t>
             </a:r>
           </a:p>
@@ -6470,13 +6470,98 @@
         </p:nvSpPr>
         <p:spPr/>
         <p:txBody>
-          <a:bodyPr/>
+          <a:bodyPr>
+            <a:normAutofit fontScale="85000" lnSpcReduction="20000"/>
+          </a:bodyPr>
           <a:lstStyle/>
           <a:p>
-            <a:r>
-              <a:rPr lang="en-US"/>
+            <a:pPr algn="l"/>
+            <a:r>
+              <a:rPr lang="en-US" dirty="0"/>
               <a:t>Identify Possible top hits per region based on song features</a:t>
             </a:r>
+            <a:endParaRPr lang="en-US" b="0" i="0" dirty="0">
+              <a:solidFill>
+                <a:srgbClr val="D1D5DB"/>
+              </a:solidFill>
+              <a:effectLst/>
+              <a:latin typeface="Söhne"/>
+            </a:endParaRPr>
+          </a:p>
+          <a:p>
+            <a:pPr algn="l"/>
+            <a:r>
+              <a:rPr lang="en-US" b="0" i="0" dirty="0">
+                <a:solidFill>
+                  <a:schemeClr val="tx1"/>
+                </a:solidFill>
+                <a:effectLst/>
+                <a:latin typeface="Söhne"/>
+              </a:rPr>
+              <a:t>Music plays a significant role in our lives, and with the rise of digital music platforms like Spotify, it has become easier than ever to access and discover new music. In this data science project, our goal is to identify the top hits per region based on song features using three Spotify datasets provided by Kaggle. The datasets are "Top Hits Spotify from 2000-2019" by </a:t>
+            </a:r>
+            <a:r>
+              <a:rPr lang="en-US" b="0" i="0" dirty="0" err="1">
+                <a:solidFill>
+                  <a:schemeClr val="tx1"/>
+                </a:solidFill>
+                <a:effectLst/>
+                <a:latin typeface="Söhne"/>
+              </a:rPr>
+              <a:t>Paradisejoy</a:t>
+            </a:r>
+            <a:r>
+              <a:rPr lang="en-US" b="0" i="0" dirty="0">
+                <a:solidFill>
+                  <a:schemeClr val="tx1"/>
+                </a:solidFill>
+                <a:effectLst/>
+                <a:latin typeface="Söhne"/>
+              </a:rPr>
+              <a:t>, "Spotify 12M Songs" by Rodolfo Figueroa, and "Spotify Chart Data" by J Freyberg.</a:t>
+            </a:r>
+          </a:p>
+          <a:p>
+            <a:pPr algn="l"/>
+            <a:r>
+              <a:rPr lang="en-US" b="0" i="0" dirty="0">
+                <a:solidFill>
+                  <a:schemeClr val="tx1"/>
+                </a:solidFill>
+                <a:effectLst/>
+                <a:latin typeface="Söhne"/>
+              </a:rPr>
+              <a:t>By analyzing the song features such as tempo, danceability, energy, and others, we aim to understand the characteristics that make a song popular in a particular region. This information can be useful for music streaming platforms, record labels, and artists to make informed decisions about their music releases and marketing strategies.</a:t>
+            </a:r>
+          </a:p>
+          <a:p>
+            <a:pPr algn="l"/>
+            <a:r>
+              <a:rPr lang="en-US" b="0" i="0" dirty="0">
+                <a:solidFill>
+                  <a:schemeClr val="tx1"/>
+                </a:solidFill>
+                <a:effectLst/>
+                <a:latin typeface="Söhne"/>
+              </a:rPr>
+              <a:t>In this project, we will perform exploratory data analysis to gain insights into the data, select the relevant features, build a machine learning model to predict the popularity of songs, and evaluate its performance. Finally, we will present the results and draw insights into the popularity of songs in different regions.</a:t>
+            </a:r>
+          </a:p>
+          <a:p>
+            <a:pPr algn="l"/>
+            <a:r>
+              <a:rPr lang="en-US" b="0" i="0" dirty="0">
+                <a:solidFill>
+                  <a:schemeClr val="tx1"/>
+                </a:solidFill>
+                <a:effectLst/>
+                <a:latin typeface="Söhne"/>
+              </a:rPr>
+              <a:t>By the end of this project, we hope to gain a deeper understanding of the relationship between song features and regional popularity and to provide valuable insights that can help shape the future of the music industry.</a:t>
+            </a:r>
+          </a:p>
+          <a:p>
+            <a:endParaRPr lang="en-US" dirty="0"/>
           </a:p>
         </p:txBody>
       </p:sp>
@@ -8361,8 +8446,8 @@
         </p:blipFill>
         <p:spPr bwMode="auto">
           <a:xfrm>
-            <a:off x="706637" y="794966"/>
-            <a:ext cx="10778726" cy="6063034"/>
+            <a:off x="986416" y="1037229"/>
+            <a:ext cx="9486710" cy="5336275"/>
           </a:xfrm>
           <a:prstGeom prst="rect">
             <a:avLst/>

--- a/HDM Data Science.pptx
+++ b/HDM Data Science.pptx
@@ -5,7 +5,7 @@
     <p:sldMasterId id="2147483738" r:id="rId1"/>
   </p:sldMasterIdLst>
   <p:notesMasterIdLst>
-    <p:notesMasterId r:id="rId8"/>
+    <p:notesMasterId r:id="rId9"/>
   </p:notesMasterIdLst>
   <p:sldIdLst>
     <p:sldId id="256" r:id="rId2"/>
@@ -13,7 +13,8 @@
     <p:sldId id="258" r:id="rId4"/>
     <p:sldId id="259" r:id="rId5"/>
     <p:sldId id="260" r:id="rId6"/>
-    <p:sldId id="261" r:id="rId7"/>
+    <p:sldId id="262" r:id="rId7"/>
+    <p:sldId id="261" r:id="rId8"/>
   </p:sldIdLst>
   <p:sldSz cx="12192000" cy="6858000"/>
   <p:notesSz cx="6858000" cy="9144000"/>
@@ -1075,7 +1076,7 @@
           <a:p>
             <a:fld id="{9B39517B-FB26-4CEE-A0CD-05465EABC2B5}" type="datetimeFigureOut">
               <a:rPr lang="de-DE" smtClean="0"/>
-              <a:t>04.02.2023</a:t>
+              <a:t>13.02.2023</a:t>
             </a:fld>
             <a:endParaRPr lang="de-DE"/>
           </a:p>
@@ -2239,7 +2240,7 @@
           <a:p>
             <a:fld id="{8CE265D3-6F69-46A3-BC22-BD3030E0EBE5}" type="slidenum">
               <a:rPr lang="de-DE" smtClean="0"/>
-              <a:t>6</a:t>
+              <a:t>7</a:t>
             </a:fld>
             <a:endParaRPr lang="de-DE"/>
           </a:p>
@@ -2496,7 +2497,7 @@
           <a:p>
             <a:fld id="{ED291B17-9318-49DB-B28B-6E5994AE9581}" type="datetime1">
               <a:rPr lang="en-US" smtClean="0"/>
-              <a:t>2/4/2023</a:t>
+              <a:t>2/13/2023</a:t>
             </a:fld>
             <a:endParaRPr lang="en-US" dirty="0"/>
           </a:p>
@@ -2699,7 +2700,7 @@
           <a:p>
             <a:fld id="{2CED4963-E985-44C4-B8C4-FDD613B7C2F8}" type="datetime1">
               <a:rPr lang="en-US" smtClean="0"/>
-              <a:t>2/4/2023</a:t>
+              <a:t>2/13/2023</a:t>
             </a:fld>
             <a:endParaRPr lang="en-US" dirty="0"/>
           </a:p>
@@ -3061,7 +3062,7 @@
           <a:p>
             <a:fld id="{ED291B17-9318-49DB-B28B-6E5994AE9581}" type="datetime1">
               <a:rPr lang="en-US" smtClean="0"/>
-              <a:t>2/4/2023</a:t>
+              <a:t>2/13/2023</a:t>
             </a:fld>
             <a:endParaRPr lang="en-US" dirty="0"/>
           </a:p>
@@ -3259,7 +3260,7 @@
           <a:p>
             <a:fld id="{78DD82B9-B8EE-4375-B6FF-88FA6ABB15D9}" type="datetime1">
               <a:rPr lang="en-US" smtClean="0"/>
-              <a:t>2/4/2023</a:t>
+              <a:t>2/13/2023</a:t>
             </a:fld>
             <a:endParaRPr lang="en-US" dirty="0"/>
           </a:p>
@@ -3571,7 +3572,7 @@
           <a:p>
             <a:fld id="{B2497495-0637-405E-AE64-5CC7506D51F5}" type="datetime1">
               <a:rPr lang="en-US" smtClean="0"/>
-              <a:t>2/4/2023</a:t>
+              <a:t>2/13/2023</a:t>
             </a:fld>
             <a:endParaRPr lang="en-US" dirty="0"/>
           </a:p>
@@ -3824,7 +3825,7 @@
           <a:p>
             <a:fld id="{7BFFD690-9426-415D-8B65-26881E07B2D4}" type="datetime1">
               <a:rPr lang="en-US" smtClean="0"/>
-              <a:t>2/4/2023</a:t>
+              <a:t>2/13/2023</a:t>
             </a:fld>
             <a:endParaRPr lang="en-US" dirty="0"/>
           </a:p>
@@ -4246,7 +4247,7 @@
           <a:p>
             <a:fld id="{04C4989A-474C-40DE-95B9-011C28B71673}" type="datetime1">
               <a:rPr lang="en-US" smtClean="0"/>
-              <a:t>2/4/2023</a:t>
+              <a:t>2/13/2023</a:t>
             </a:fld>
             <a:endParaRPr lang="en-US" dirty="0"/>
           </a:p>
@@ -4369,7 +4370,7 @@
           <a:p>
             <a:fld id="{5DB4ED54-5B5E-4A04-93D3-5772E3CE3818}" type="datetime1">
               <a:rPr lang="en-US" smtClean="0"/>
-              <a:t>2/4/2023</a:t>
+              <a:t>2/13/2023</a:t>
             </a:fld>
             <a:endParaRPr lang="en-US" dirty="0"/>
           </a:p>
@@ -4464,7 +4465,7 @@
           <a:p>
             <a:fld id="{4EDE50D6-574B-40AF-946F-D52A04ADE379}" type="datetime1">
               <a:rPr lang="en-US" smtClean="0"/>
-              <a:t>2/4/2023</a:t>
+              <a:t>2/13/2023</a:t>
             </a:fld>
             <a:endParaRPr lang="en-US" dirty="0"/>
           </a:p>
@@ -4841,7 +4842,7 @@
           <a:p>
             <a:fld id="{D82884F1-FFEA-405F-9602-3DCA865EDA4E}" type="datetime1">
               <a:rPr lang="en-US" smtClean="0"/>
-              <a:t>2/4/2023</a:t>
+              <a:t>2/13/2023</a:t>
             </a:fld>
             <a:endParaRPr lang="en-US" dirty="0"/>
           </a:p>
@@ -5134,7 +5135,7 @@
           <a:p>
             <a:fld id="{7E18DB4A-8810-4A10-AD5C-D5E2C667F5B3}" type="datetime1">
               <a:rPr lang="en-US" smtClean="0"/>
-              <a:t>2/4/2023</a:t>
+              <a:t>2/13/2023</a:t>
             </a:fld>
             <a:endParaRPr lang="en-US" dirty="0"/>
           </a:p>
@@ -5349,7 +5350,7 @@
           <a:p>
             <a:fld id="{ED291B17-9318-49DB-B28B-6E5994AE9581}" type="datetime1">
               <a:rPr lang="en-US" smtClean="0"/>
-              <a:t>2/4/2023</a:t>
+              <a:t>2/13/2023</a:t>
             </a:fld>
             <a:endParaRPr lang="en-US" dirty="0"/>
           </a:p>
@@ -6518,7 +6519,7 @@
                 <a:effectLst/>
                 <a:latin typeface="Söhne"/>
               </a:rPr>
-              <a:t>, "Spotify 12M Songs" by Rodolfo Figueroa, and "Spotify Chart Data" by J Freyberg.</a:t>
+              <a:t>, "Spotify 1.2M Songs" by Rodolfo Figueroa, and "Spotify Chart Data" by J Freyberg.</a:t>
             </a:r>
           </a:p>
           <a:p>
@@ -8399,6 +8400,109 @@
 </file>
 
 <file path=ppt/slides/slide6.xml><?xml version="1.0" encoding="utf-8"?>
+<p:sld xmlns:a="http://schemas.openxmlformats.org/drawingml/2006/main" xmlns:r="http://schemas.openxmlformats.org/officeDocument/2006/relationships" xmlns:p="http://schemas.openxmlformats.org/presentationml/2006/main">
+  <p:cSld>
+    <p:spTree>
+      <p:nvGrpSpPr>
+        <p:cNvPr id="1" name=""/>
+        <p:cNvGrpSpPr/>
+        <p:nvPr/>
+      </p:nvGrpSpPr>
+      <p:grpSpPr>
+        <a:xfrm>
+          <a:off x="0" y="0"/>
+          <a:ext cx="0" cy="0"/>
+          <a:chOff x="0" y="0"/>
+          <a:chExt cx="0" cy="0"/>
+        </a:xfrm>
+      </p:grpSpPr>
+      <p:sp>
+        <p:nvSpPr>
+          <p:cNvPr id="2" name="Titel 1">
+            <a:extLst>
+              <a:ext uri="{FF2B5EF4-FFF2-40B4-BE49-F238E27FC236}">
+                <a16:creationId xmlns:a16="http://schemas.microsoft.com/office/drawing/2014/main" id="{46DD1FC6-F6A0-6F35-0ECB-B781BDE48FF3}"/>
+              </a:ext>
+            </a:extLst>
+          </p:cNvPr>
+          <p:cNvSpPr>
+            <a:spLocks noGrp="1"/>
+          </p:cNvSpPr>
+          <p:nvPr>
+            <p:ph type="title"/>
+          </p:nvPr>
+        </p:nvSpPr>
+        <p:spPr/>
+        <p:txBody>
+          <a:bodyPr/>
+          <a:lstStyle/>
+          <a:p>
+            <a:r>
+              <a:rPr lang="de-DE" dirty="0"/>
+              <a:t>Takeaway</a:t>
+            </a:r>
+          </a:p>
+        </p:txBody>
+      </p:sp>
+      <p:sp>
+        <p:nvSpPr>
+          <p:cNvPr id="3" name="Inhaltsplatzhalter 2">
+            <a:extLst>
+              <a:ext uri="{FF2B5EF4-FFF2-40B4-BE49-F238E27FC236}">
+                <a16:creationId xmlns:a16="http://schemas.microsoft.com/office/drawing/2014/main" id="{4E8429A1-3A40-254E-4A97-81DAB08735FC}"/>
+              </a:ext>
+            </a:extLst>
+          </p:cNvPr>
+          <p:cNvSpPr>
+            <a:spLocks noGrp="1"/>
+          </p:cNvSpPr>
+          <p:nvPr>
+            <p:ph idx="1"/>
+          </p:nvPr>
+        </p:nvSpPr>
+        <p:spPr/>
+        <p:txBody>
+          <a:bodyPr/>
+          <a:lstStyle/>
+          <a:p>
+            <a:r>
+              <a:rPr lang="de-DE" dirty="0"/>
+              <a:t>Daten Reduktion</a:t>
+            </a:r>
+          </a:p>
+          <a:p>
+            <a:r>
+              <a:rPr lang="de-DE" dirty="0"/>
+              <a:t>Frequent item Sets (Rapid </a:t>
+            </a:r>
+            <a:r>
+              <a:rPr lang="de-DE" dirty="0" err="1"/>
+              <a:t>miner</a:t>
+            </a:r>
+            <a:r>
+              <a:rPr lang="de-DE"/>
+              <a:t>)</a:t>
+            </a:r>
+          </a:p>
+          <a:p>
+            <a:endParaRPr lang="de-DE" dirty="0"/>
+          </a:p>
+        </p:txBody>
+      </p:sp>
+    </p:spTree>
+    <p:extLst>
+      <p:ext uri="{BB962C8B-B14F-4D97-AF65-F5344CB8AC3E}">
+        <p14:creationId xmlns:p14="http://schemas.microsoft.com/office/powerpoint/2010/main" val="1966778663"/>
+      </p:ext>
+    </p:extLst>
+  </p:cSld>
+  <p:clrMapOvr>
+    <a:masterClrMapping/>
+  </p:clrMapOvr>
+</p:sld>
+</file>
+
+<file path=ppt/slides/slide7.xml><?xml version="1.0" encoding="utf-8"?>
 <p:sld xmlns:a="http://schemas.openxmlformats.org/drawingml/2006/main" xmlns:r="http://schemas.openxmlformats.org/officeDocument/2006/relationships" xmlns:p="http://schemas.openxmlformats.org/presentationml/2006/main" show="0">
   <p:cSld>
     <p:spTree>
